--- a/asset-src/basic-concepts-overview/make-img.pptx
+++ b/asset-src/basic-concepts-overview/make-img.pptx
@@ -5,7 +5,7 @@
     <p:sldMasterId id="2147483713" r:id="rId1"/>
   </p:sldMasterIdLst>
   <p:notesMasterIdLst>
-    <p:notesMasterId r:id="rId7"/>
+    <p:notesMasterId r:id="rId10"/>
   </p:notesMasterIdLst>
   <p:sldIdLst>
     <p:sldId id="2435" r:id="rId2"/>
@@ -13,6 +13,9 @@
     <p:sldId id="2434" r:id="rId4"/>
     <p:sldId id="2436" r:id="rId5"/>
     <p:sldId id="2437" r:id="rId6"/>
+    <p:sldId id="2438" r:id="rId7"/>
+    <p:sldId id="2439" r:id="rId8"/>
+    <p:sldId id="2440" r:id="rId9"/>
   </p:sldIdLst>
   <p:sldSz cx="12192000" cy="6858000"/>
   <p:notesSz cx="6858000" cy="9144000"/>
@@ -193,7 +196,7 @@
           <p:cNvPr id="2" name="Header Placeholder 1">
             <a:extLst>
               <a:ext uri="{FF2B5EF4-FFF2-40B4-BE49-F238E27FC236}">
-                <a16:creationId xmlns="" xmlns:a16="http://schemas.microsoft.com/office/drawing/2014/main" id="{CF35D6CC-E1EB-D445-88FF-3EA8E886DAD6}"/>
+                <a16:creationId xmlns:a16="http://schemas.microsoft.com/office/drawing/2014/main" xmlns="" id="{CF35D6CC-E1EB-D445-88FF-3EA8E886DAD6}"/>
               </a:ext>
             </a:extLst>
           </p:cNvPr>
@@ -239,7 +242,7 @@
           <p:cNvPr id="3" name="Date Placeholder 2">
             <a:extLst>
               <a:ext uri="{FF2B5EF4-FFF2-40B4-BE49-F238E27FC236}">
-                <a16:creationId xmlns="" xmlns:a16="http://schemas.microsoft.com/office/drawing/2014/main" id="{9E705D35-5250-6143-A2E9-6FA3A1FF0ECD}"/>
+                <a16:creationId xmlns:a16="http://schemas.microsoft.com/office/drawing/2014/main" xmlns="" id="{9E705D35-5250-6143-A2E9-6FA3A1FF0ECD}"/>
               </a:ext>
             </a:extLst>
           </p:cNvPr>
@@ -281,7 +284,7 @@
               <a:pPr>
                 <a:defRPr/>
               </a:pPr>
-              <a:t>12/22/19</a:t>
+              <a:t>12/23/19</a:t>
             </a:fld>
             <a:endParaRPr lang="en-US" altLang="zh-CN"/>
           </a:p>
@@ -292,7 +295,7 @@
           <p:cNvPr id="4" name="Slide Image Placeholder 3">
             <a:extLst>
               <a:ext uri="{FF2B5EF4-FFF2-40B4-BE49-F238E27FC236}">
-                <a16:creationId xmlns="" xmlns:a16="http://schemas.microsoft.com/office/drawing/2014/main" id="{A288106C-C6C4-3647-9306-94C7935C4791}"/>
+                <a16:creationId xmlns:a16="http://schemas.microsoft.com/office/drawing/2014/main" xmlns="" id="{A288106C-C6C4-3647-9306-94C7935C4791}"/>
               </a:ext>
             </a:extLst>
           </p:cNvPr>
@@ -332,7 +335,7 @@
           <p:cNvPr id="5" name="Notes Placeholder 4">
             <a:extLst>
               <a:ext uri="{FF2B5EF4-FFF2-40B4-BE49-F238E27FC236}">
-                <a16:creationId xmlns="" xmlns:a16="http://schemas.microsoft.com/office/drawing/2014/main" id="{C9DA3AAD-2F7A-6D48-87FD-E1025781A817}"/>
+                <a16:creationId xmlns:a16="http://schemas.microsoft.com/office/drawing/2014/main" xmlns="" id="{C9DA3AAD-2F7A-6D48-87FD-E1025781A817}"/>
               </a:ext>
             </a:extLst>
           </p:cNvPr>
@@ -397,7 +400,7 @@
           <p:cNvPr id="6" name="Footer Placeholder 5">
             <a:extLst>
               <a:ext uri="{FF2B5EF4-FFF2-40B4-BE49-F238E27FC236}">
-                <a16:creationId xmlns="" xmlns:a16="http://schemas.microsoft.com/office/drawing/2014/main" id="{2BE3DB34-3902-C74A-B4D1-DE7E8A846FF8}"/>
+                <a16:creationId xmlns:a16="http://schemas.microsoft.com/office/drawing/2014/main" xmlns="" id="{2BE3DB34-3902-C74A-B4D1-DE7E8A846FF8}"/>
               </a:ext>
             </a:extLst>
           </p:cNvPr>
@@ -443,7 +446,7 @@
           <p:cNvPr id="7" name="Slide Number Placeholder 6">
             <a:extLst>
               <a:ext uri="{FF2B5EF4-FFF2-40B4-BE49-F238E27FC236}">
-                <a16:creationId xmlns="" xmlns:a16="http://schemas.microsoft.com/office/drawing/2014/main" id="{226810B7-8371-BE48-8620-95E1443B7159}"/>
+                <a16:creationId xmlns:a16="http://schemas.microsoft.com/office/drawing/2014/main" xmlns="" id="{226810B7-8371-BE48-8620-95E1443B7159}"/>
               </a:ext>
             </a:extLst>
           </p:cNvPr>
@@ -894,6 +897,96 @@
 </p:notes>
 </file>
 
+<file path=ppt/notesSlides/notesSlide4.xml><?xml version="1.0" encoding="utf-8"?>
+<p:notes xmlns:a="http://schemas.openxmlformats.org/drawingml/2006/main" xmlns:r="http://schemas.openxmlformats.org/officeDocument/2006/relationships" xmlns:p="http://schemas.openxmlformats.org/presentationml/2006/main">
+  <p:cSld>
+    <p:spTree>
+      <p:nvGrpSpPr>
+        <p:cNvPr id="1" name=""/>
+        <p:cNvGrpSpPr/>
+        <p:nvPr/>
+      </p:nvGrpSpPr>
+      <p:grpSpPr>
+        <a:xfrm>
+          <a:off x="0" y="0"/>
+          <a:ext cx="0" cy="0"/>
+          <a:chOff x="0" y="0"/>
+          <a:chExt cx="0" cy="0"/>
+        </a:xfrm>
+      </p:grpSpPr>
+      <p:sp>
+        <p:nvSpPr>
+          <p:cNvPr id="2" name="Slide Image Placeholder 1"/>
+          <p:cNvSpPr>
+            <a:spLocks noGrp="1" noRot="1" noChangeAspect="1"/>
+          </p:cNvSpPr>
+          <p:nvPr>
+            <p:ph type="sldImg"/>
+          </p:nvPr>
+        </p:nvSpPr>
+        <p:spPr/>
+      </p:sp>
+      <p:sp>
+        <p:nvSpPr>
+          <p:cNvPr id="3" name="Notes Placeholder 2"/>
+          <p:cNvSpPr>
+            <a:spLocks noGrp="1"/>
+          </p:cNvSpPr>
+          <p:nvPr>
+            <p:ph type="body" idx="1"/>
+          </p:nvPr>
+        </p:nvSpPr>
+        <p:spPr/>
+        <p:txBody>
+          <a:bodyPr/>
+          <a:lstStyle/>
+          <a:p>
+            <a:endParaRPr lang="en-US" dirty="0"/>
+          </a:p>
+        </p:txBody>
+      </p:sp>
+      <p:sp>
+        <p:nvSpPr>
+          <p:cNvPr id="4" name="Slide Number Placeholder 3"/>
+          <p:cNvSpPr>
+            <a:spLocks noGrp="1"/>
+          </p:cNvSpPr>
+          <p:nvPr>
+            <p:ph type="sldNum" sz="quarter" idx="10"/>
+          </p:nvPr>
+        </p:nvSpPr>
+        <p:spPr/>
+        <p:txBody>
+          <a:bodyPr/>
+          <a:lstStyle/>
+          <a:p>
+            <a:pPr>
+              <a:defRPr/>
+            </a:pPr>
+            <a:fld id="{8175EE0D-BB5A-EA49-B1FC-9BA3F3A34650}" type="slidenum">
+              <a:rPr lang="en-US" altLang="zh-CN" smtClean="0"/>
+              <a:pPr>
+                <a:defRPr/>
+              </a:pPr>
+              <a:t>7</a:t>
+            </a:fld>
+            <a:endParaRPr lang="en-US" altLang="zh-CN"/>
+          </a:p>
+        </p:txBody>
+      </p:sp>
+    </p:spTree>
+    <p:extLst>
+      <p:ext uri="{BB962C8B-B14F-4D97-AF65-F5344CB8AC3E}">
+        <p14:creationId xmlns:p14="http://schemas.microsoft.com/office/powerpoint/2010/main" val="2125108450"/>
+      </p:ext>
+    </p:extLst>
+  </p:cSld>
+  <p:clrMapOvr>
+    <a:masterClrMapping/>
+  </p:clrMapOvr>
+</p:notes>
+</file>
+
 <file path=ppt/slideLayouts/slideLayout1.xml><?xml version="1.0" encoding="utf-8"?>
 <p:sldLayout xmlns:a="http://schemas.openxmlformats.org/drawingml/2006/main" xmlns:r="http://schemas.openxmlformats.org/officeDocument/2006/relationships" xmlns:p="http://schemas.openxmlformats.org/presentationml/2006/main" type="title" preserve="1">
   <p:cSld name="Title Slide">
@@ -1031,7 +1124,7 @@
               <a:pPr>
                 <a:defRPr/>
               </a:pPr>
-              <a:t>12/22/19</a:t>
+              <a:t>12/23/19</a:t>
             </a:fld>
             <a:endParaRPr lang="en-US" altLang="zh-CN"/>
           </a:p>
@@ -1226,7 +1319,7 @@
               <a:pPr>
                 <a:defRPr/>
               </a:pPr>
-              <a:t>12/22/19</a:t>
+              <a:t>12/23/19</a:t>
             </a:fld>
             <a:endParaRPr lang="en-US" altLang="zh-CN"/>
           </a:p>
@@ -1424,7 +1517,7 @@
               <a:pPr>
                 <a:defRPr/>
               </a:pPr>
-              <a:t>12/22/19</a:t>
+              <a:t>12/23/19</a:t>
             </a:fld>
             <a:endParaRPr lang="en-US" altLang="zh-CN"/>
           </a:p>
@@ -1649,7 +1742,7 @@
               <a:pPr>
                 <a:defRPr/>
               </a:pPr>
-              <a:t>12/22/19</a:t>
+              <a:t>12/23/19</a:t>
             </a:fld>
             <a:endParaRPr lang="en-US" altLang="zh-CN"/>
           </a:p>
@@ -1883,7 +1976,7 @@
               <a:pPr>
                 <a:defRPr/>
               </a:pPr>
-              <a:t>12/22/19</a:t>
+              <a:t>12/23/19</a:t>
             </a:fld>
             <a:endParaRPr lang="en-US" altLang="zh-CN"/>
           </a:p>
@@ -2133,7 +2226,7 @@
               <a:pPr>
                 <a:defRPr/>
               </a:pPr>
-              <a:t>12/22/19</a:t>
+              <a:t>12/23/19</a:t>
             </a:fld>
             <a:endParaRPr lang="en-US" altLang="zh-CN"/>
           </a:p>
@@ -2518,7 +2611,7 @@
               <a:pPr>
                 <a:defRPr/>
               </a:pPr>
-              <a:t>12/22/19</a:t>
+              <a:t>12/23/19</a:t>
             </a:fld>
             <a:endParaRPr lang="en-US" altLang="zh-CN"/>
           </a:p>
@@ -2654,7 +2747,7 @@
               <a:pPr>
                 <a:defRPr/>
               </a:pPr>
-              <a:t>12/22/19</a:t>
+              <a:t>12/23/19</a:t>
             </a:fld>
             <a:endParaRPr lang="en-US" altLang="zh-CN"/>
           </a:p>
@@ -2767,7 +2860,7 @@
               <a:pPr>
                 <a:defRPr/>
               </a:pPr>
-              <a:t>12/22/19</a:t>
+              <a:t>12/23/19</a:t>
             </a:fld>
             <a:endParaRPr lang="en-US" altLang="zh-CN"/>
           </a:p>
@@ -3062,7 +3155,7 @@
               <a:pPr>
                 <a:defRPr/>
               </a:pPr>
-              <a:t>12/22/19</a:t>
+              <a:t>12/23/19</a:t>
             </a:fld>
             <a:endParaRPr lang="en-US" altLang="zh-CN"/>
           </a:p>
@@ -3333,7 +3426,7 @@
               <a:pPr>
                 <a:defRPr/>
               </a:pPr>
-              <a:t>12/22/19</a:t>
+              <a:t>12/23/19</a:t>
             </a:fld>
             <a:endParaRPr lang="en-US" altLang="zh-CN"/>
           </a:p>
@@ -3564,7 +3657,7 @@
               <a:pPr>
                 <a:defRPr/>
               </a:pPr>
-              <a:t>12/22/19</a:t>
+              <a:t>12/23/19</a:t>
             </a:fld>
             <a:endParaRPr lang="en-US" altLang="zh-CN"/>
           </a:p>
@@ -4000,7 +4093,7 @@
           <a:ln w="25400">
             <a:solidFill>
               <a:schemeClr val="bg1">
-                <a:lumMod val="50000"/>
+                <a:lumMod val="75000"/>
               </a:schemeClr>
             </a:solidFill>
           </a:ln>
@@ -4037,7 +4130,7 @@
           <a:ln w="25400">
             <a:solidFill>
               <a:schemeClr val="bg1">
-                <a:lumMod val="50000"/>
+                <a:lumMod val="75000"/>
               </a:schemeClr>
             </a:solidFill>
           </a:ln>
@@ -4616,11 +4709,7 @@
           <a:p>
             <a:r>
               <a:rPr lang="en-US" altLang="zh-CN" dirty="0"/>
-              <a:t>s</a:t>
-            </a:r>
-            <a:r>
-              <a:rPr lang="en-US" altLang="zh-CN" dirty="0"/>
-              <a:t>eries 1</a:t>
+              <a:t>series 1</a:t>
             </a:r>
             <a:endParaRPr lang="en-US" dirty="0"/>
           </a:p>
@@ -5063,11 +5152,7 @@
           <a:p>
             <a:r>
               <a:rPr lang="en-US" altLang="zh-CN" dirty="0"/>
-              <a:t>s</a:t>
-            </a:r>
-            <a:r>
-              <a:rPr lang="en-US" altLang="zh-CN" dirty="0"/>
-              <a:t>eries 0</a:t>
+              <a:t>series 0</a:t>
             </a:r>
             <a:endParaRPr lang="en-US" dirty="0"/>
           </a:p>
@@ -5108,11 +5193,7 @@
           <a:p>
             <a:r>
               <a:rPr lang="en-US" altLang="zh-CN" dirty="0"/>
-              <a:t>s</a:t>
-            </a:r>
-            <a:r>
-              <a:rPr lang="en-US" altLang="zh-CN" dirty="0"/>
-              <a:t>eries 1</a:t>
+              <a:t>series 1</a:t>
             </a:r>
             <a:endParaRPr lang="en-US" dirty="0"/>
           </a:p>
@@ -6962,7 +7043,15 @@
                   <a:srgbClr val="C00000"/>
                 </a:solidFill>
               </a:rPr>
-              <a:t>left: 110</a:t>
+              <a:t>left: </a:t>
+            </a:r>
+            <a:r>
+              <a:rPr lang="en-US" b="1" dirty="0" smtClean="0">
+                <a:solidFill>
+                  <a:srgbClr val="C00000"/>
+                </a:solidFill>
+              </a:rPr>
+              <a:t>130</a:t>
             </a:r>
             <a:endParaRPr lang="en-US" b="1" dirty="0">
               <a:solidFill>
@@ -6980,7 +7069,7 @@
         </p:nvCxnSpPr>
         <p:spPr>
           <a:xfrm flipH="1">
-            <a:off x="6501268" y="3680748"/>
+            <a:off x="6501268" y="3509098"/>
             <a:ext cx="2461967" cy="0"/>
           </a:xfrm>
           <a:prstGeom prst="straightConnector1">
@@ -7017,8 +7106,8 @@
         </p:nvSpPr>
         <p:spPr>
           <a:xfrm>
-            <a:off x="6743387" y="2981563"/>
-            <a:ext cx="1980219" cy="584775"/>
+            <a:off x="6711303" y="3630303"/>
+            <a:ext cx="2244731" cy="584775"/>
           </a:xfrm>
           <a:prstGeom prst="rect">
             <a:avLst/>
@@ -7082,7 +7171,25 @@
                 </a:solidFill>
                 <a:latin typeface="+mn-lt"/>
               </a:rPr>
-              <a:t>= </a:t>
+              <a:t>=</a:t>
+            </a:r>
+            <a:r>
+              <a:rPr lang="en-US" altLang="zh-CN" sz="1400" b="1" dirty="0" smtClean="0">
+                <a:solidFill>
+                  <a:srgbClr val="C00000"/>
+                </a:solidFill>
+                <a:latin typeface="+mn-lt"/>
+              </a:rPr>
+              <a:t>==</a:t>
+            </a:r>
+            <a:r>
+              <a:rPr lang="en-US" sz="1400" b="1" dirty="0" smtClean="0">
+                <a:solidFill>
+                  <a:srgbClr val="C00000"/>
+                </a:solidFill>
+                <a:latin typeface="+mn-lt"/>
+              </a:rPr>
+              <a:t> </a:t>
             </a:r>
             <a:r>
               <a:rPr lang="en-US" sz="1400" b="1" dirty="0" err="1" smtClean="0">
@@ -7234,8 +7341,8 @@
         </p:nvSpPr>
         <p:spPr>
           <a:xfrm rot="16200000">
-            <a:off x="484920" y="3031156"/>
-            <a:ext cx="1980219" cy="584775"/>
+            <a:off x="255163" y="3260912"/>
+            <a:ext cx="2439735" cy="584775"/>
           </a:xfrm>
           <a:prstGeom prst="rect">
             <a:avLst/>
@@ -7323,7 +7430,29 @@
                 </a:solidFill>
                 <a:latin typeface="+mn-lt"/>
               </a:rPr>
-              <a:t>= </a:t>
+              <a:t>=</a:t>
+            </a:r>
+            <a:r>
+              <a:rPr lang="en-US" altLang="zh-CN" sz="1400" b="1" dirty="0" smtClean="0">
+                <a:solidFill>
+                  <a:schemeClr val="accent1">
+                    <a:lumMod val="75000"/>
+                  </a:schemeClr>
+                </a:solidFill>
+                <a:latin typeface="+mn-lt"/>
+              </a:rPr>
+              <a:t>==</a:t>
+            </a:r>
+            <a:r>
+              <a:rPr lang="en-US" sz="1400" b="1" dirty="0" smtClean="0">
+                <a:solidFill>
+                  <a:schemeClr val="accent1">
+                    <a:lumMod val="75000"/>
+                  </a:schemeClr>
+                </a:solidFill>
+                <a:latin typeface="+mn-lt"/>
+              </a:rPr>
+              <a:t> </a:t>
             </a:r>
             <a:r>
               <a:rPr lang="en-US" sz="1400" b="1" dirty="0" err="1" smtClean="0">
@@ -7807,36 +7936,115 @@
       </p:sp>
       <p:cxnSp>
         <p:nvCxnSpPr>
-          <p:cNvPr id="73" name="直线箭头连接符 29"/>
+          <p:cNvPr id="93" name="直线箭头连接符 29"/>
           <p:cNvCxnSpPr/>
           <p:nvPr/>
         </p:nvCxnSpPr>
         <p:spPr>
           <a:xfrm flipH="1">
-            <a:off x="9091323" y="2775284"/>
-            <a:ext cx="857350" cy="4492"/>
+            <a:off x="2377745" y="2421038"/>
+            <a:ext cx="4123523" cy="11742"/>
           </a:xfrm>
           <a:prstGeom prst="straightConnector1">
             <a:avLst/>
           </a:prstGeom>
-          <a:ln w="152400" cmpd="sng">
+          <a:ln w="12700" cmpd="sng">
+            <a:solidFill>
+              <a:schemeClr val="bg1">
+                <a:lumMod val="50000"/>
+              </a:schemeClr>
+            </a:solidFill>
+            <a:prstDash val="sysDot"/>
+            <a:headEnd type="none" w="lg" len="med"/>
+            <a:tailEnd type="none" w="lg" len="med"/>
+          </a:ln>
+        </p:spPr>
+        <p:style>
+          <a:lnRef idx="2">
+            <a:schemeClr val="accent1"/>
+          </a:lnRef>
+          <a:fillRef idx="0">
+            <a:schemeClr val="accent1"/>
+          </a:fillRef>
+          <a:effectRef idx="1">
+            <a:schemeClr val="accent1"/>
+          </a:effectRef>
+          <a:fontRef idx="minor">
+            <a:schemeClr val="tx1"/>
+          </a:fontRef>
+        </p:style>
+      </p:cxnSp>
+      <p:cxnSp>
+        <p:nvCxnSpPr>
+          <p:cNvPr id="98" name="直线箭头连接符 29"/>
+          <p:cNvCxnSpPr/>
+          <p:nvPr/>
+        </p:nvCxnSpPr>
+        <p:spPr>
+          <a:xfrm flipH="1">
+            <a:off x="6480312" y="2426909"/>
+            <a:ext cx="19743" cy="1536536"/>
+          </a:xfrm>
+          <a:prstGeom prst="straightConnector1">
+            <a:avLst/>
+          </a:prstGeom>
+          <a:ln w="12700" cmpd="sng">
+            <a:solidFill>
+              <a:schemeClr val="bg1">
+                <a:lumMod val="50000"/>
+              </a:schemeClr>
+            </a:solidFill>
+            <a:prstDash val="sysDot"/>
+            <a:headEnd type="none" w="lg" len="med"/>
+            <a:tailEnd type="none" w="lg" len="med"/>
+          </a:ln>
+        </p:spPr>
+        <p:style>
+          <a:lnRef idx="2">
+            <a:schemeClr val="accent1"/>
+          </a:lnRef>
+          <a:fillRef idx="0">
+            <a:schemeClr val="accent1"/>
+          </a:fillRef>
+          <a:effectRef idx="1">
+            <a:schemeClr val="accent1"/>
+          </a:effectRef>
+          <a:fontRef idx="minor">
+            <a:schemeClr val="tx1"/>
+          </a:fontRef>
+        </p:style>
+      </p:cxnSp>
+      <p:cxnSp>
+        <p:nvCxnSpPr>
+          <p:cNvPr id="3" name="Straight Arrow Connector 2"/>
+          <p:cNvCxnSpPr/>
+          <p:nvPr/>
+        </p:nvCxnSpPr>
+        <p:spPr>
+          <a:xfrm flipH="1">
+            <a:off x="6581553" y="2566444"/>
+            <a:ext cx="3351078" cy="0"/>
+          </a:xfrm>
+          <a:prstGeom prst="straightConnector1">
+            <a:avLst/>
+          </a:prstGeom>
+          <a:ln w="152400">
             <a:solidFill>
               <a:srgbClr val="C00000">
                 <a:alpha val="30000"/>
               </a:srgbClr>
             </a:solidFill>
-            <a:headEnd type="none"/>
-            <a:tailEnd type="triangle" w="lg" len="sm"/>
+            <a:tailEnd type="triangle" w="med" len="sm"/>
           </a:ln>
         </p:spPr>
         <p:style>
-          <a:lnRef idx="2">
+          <a:lnRef idx="1">
             <a:schemeClr val="accent1"/>
           </a:lnRef>
           <a:fillRef idx="0">
             <a:schemeClr val="accent1"/>
           </a:fillRef>
-          <a:effectRef idx="1">
+          <a:effectRef idx="0">
             <a:schemeClr val="accent1"/>
           </a:effectRef>
           <a:fontRef idx="minor">
@@ -7848,6 +8056,1114 @@
     <p:extLst>
       <p:ext uri="{BB962C8B-B14F-4D97-AF65-F5344CB8AC3E}">
         <p14:creationId xmlns:p14="http://schemas.microsoft.com/office/powerpoint/2010/main" val="219436366"/>
+      </p:ext>
+    </p:extLst>
+  </p:cSld>
+  <p:clrMapOvr>
+    <a:masterClrMapping/>
+  </p:clrMapOvr>
+</p:sld>
+</file>
+
+<file path=ppt/slides/slide6.xml><?xml version="1.0" encoding="utf-8"?>
+<p:sld xmlns:a="http://schemas.openxmlformats.org/drawingml/2006/main" xmlns:r="http://schemas.openxmlformats.org/officeDocument/2006/relationships" xmlns:p="http://schemas.openxmlformats.org/presentationml/2006/main">
+  <p:cSld>
+    <p:spTree>
+      <p:nvGrpSpPr>
+        <p:cNvPr id="1" name=""/>
+        <p:cNvGrpSpPr/>
+        <p:nvPr/>
+      </p:nvGrpSpPr>
+      <p:grpSpPr>
+        <a:xfrm>
+          <a:off x="0" y="0"/>
+          <a:ext cx="0" cy="0"/>
+          <a:chOff x="0" y="0"/>
+          <a:chExt cx="0" cy="0"/>
+        </a:xfrm>
+      </p:grpSpPr>
+      <p:pic>
+        <p:nvPicPr>
+          <p:cNvPr id="39" name="Picture 38"/>
+          <p:cNvPicPr>
+            <a:picLocks noChangeAspect="1"/>
+          </p:cNvPicPr>
+          <p:nvPr/>
+        </p:nvPicPr>
+        <p:blipFill>
+          <a:blip r:embed="rId2">
+            <a:extLst>
+              <a:ext uri="{28A0092B-C50C-407E-A947-70E740481C1C}">
+                <a14:useLocalDpi xmlns:a14="http://schemas.microsoft.com/office/drawing/2010/main" val="0"/>
+              </a:ext>
+            </a:extLst>
+          </a:blip>
+          <a:stretch>
+            <a:fillRect/>
+          </a:stretch>
+        </p:blipFill>
+        <p:spPr>
+          <a:xfrm>
+            <a:off x="7275623" y="1171945"/>
+            <a:ext cx="2489200" cy="4203700"/>
+          </a:xfrm>
+          <a:prstGeom prst="rect">
+            <a:avLst/>
+          </a:prstGeom>
+          <a:ln>
+            <a:solidFill>
+              <a:schemeClr val="bg1">
+                <a:lumMod val="75000"/>
+              </a:schemeClr>
+            </a:solidFill>
+          </a:ln>
+        </p:spPr>
+      </p:pic>
+      <p:pic>
+        <p:nvPicPr>
+          <p:cNvPr id="33" name="Picture 32"/>
+          <p:cNvPicPr>
+            <a:picLocks noChangeAspect="1"/>
+          </p:cNvPicPr>
+          <p:nvPr/>
+        </p:nvPicPr>
+        <p:blipFill>
+          <a:blip r:embed="rId3">
+            <a:extLst>
+              <a:ext uri="{28A0092B-C50C-407E-A947-70E740481C1C}">
+                <a14:useLocalDpi xmlns:a14="http://schemas.microsoft.com/office/drawing/2010/main" val="0"/>
+              </a:ext>
+            </a:extLst>
+          </a:blip>
+          <a:stretch>
+            <a:fillRect/>
+          </a:stretch>
+        </p:blipFill>
+        <p:spPr>
+          <a:xfrm>
+            <a:off x="1594585" y="1244305"/>
+            <a:ext cx="4749800" cy="4229100"/>
+          </a:xfrm>
+          <a:prstGeom prst="rect">
+            <a:avLst/>
+          </a:prstGeom>
+        </p:spPr>
+      </p:pic>
+      <p:cxnSp>
+        <p:nvCxnSpPr>
+          <p:cNvPr id="9" name="Curved Connector 8"/>
+          <p:cNvCxnSpPr/>
+          <p:nvPr/>
+        </p:nvCxnSpPr>
+        <p:spPr>
+          <a:xfrm rot="16200000" flipV="1">
+            <a:off x="4667886" y="-1162812"/>
+            <a:ext cx="271271" cy="5315712"/>
+          </a:xfrm>
+          <a:prstGeom prst="curvedConnector3">
+            <a:avLst>
+              <a:gd name="adj1" fmla="val 143820"/>
+            </a:avLst>
+          </a:prstGeom>
+          <a:ln w="152400">
+            <a:solidFill>
+              <a:srgbClr val="C00000">
+                <a:alpha val="30000"/>
+              </a:srgbClr>
+            </a:solidFill>
+            <a:tailEnd type="triangle" w="med" len="sm"/>
+          </a:ln>
+        </p:spPr>
+        <p:style>
+          <a:lnRef idx="1">
+            <a:schemeClr val="accent1"/>
+          </a:lnRef>
+          <a:fillRef idx="0">
+            <a:schemeClr val="accent1"/>
+          </a:fillRef>
+          <a:effectRef idx="0">
+            <a:schemeClr val="accent1"/>
+          </a:effectRef>
+          <a:fontRef idx="minor">
+            <a:schemeClr val="tx1"/>
+          </a:fontRef>
+        </p:style>
+      </p:cxnSp>
+      <p:cxnSp>
+        <p:nvCxnSpPr>
+          <p:cNvPr id="21" name="Curved Connector 20"/>
+          <p:cNvCxnSpPr/>
+          <p:nvPr/>
+        </p:nvCxnSpPr>
+        <p:spPr>
+          <a:xfrm rot="10800000" flipV="1">
+            <a:off x="6254496" y="2002536"/>
+            <a:ext cx="1261872" cy="3035808"/>
+          </a:xfrm>
+          <a:prstGeom prst="curvedConnector3">
+            <a:avLst>
+              <a:gd name="adj1" fmla="val 50000"/>
+            </a:avLst>
+          </a:prstGeom>
+          <a:ln w="152400">
+            <a:solidFill>
+              <a:srgbClr val="C00000">
+                <a:alpha val="30000"/>
+              </a:srgbClr>
+            </a:solidFill>
+            <a:tailEnd type="triangle" w="med" len="sm"/>
+          </a:ln>
+        </p:spPr>
+        <p:style>
+          <a:lnRef idx="1">
+            <a:schemeClr val="accent1"/>
+          </a:lnRef>
+          <a:fillRef idx="0">
+            <a:schemeClr val="accent1"/>
+          </a:fillRef>
+          <a:effectRef idx="0">
+            <a:schemeClr val="accent1"/>
+          </a:effectRef>
+          <a:fontRef idx="minor">
+            <a:schemeClr val="tx1"/>
+          </a:fontRef>
+        </p:style>
+      </p:cxnSp>
+      <p:cxnSp>
+        <p:nvCxnSpPr>
+          <p:cNvPr id="26" name="Straight Arrow Connector 25"/>
+          <p:cNvCxnSpPr/>
+          <p:nvPr/>
+        </p:nvCxnSpPr>
+        <p:spPr>
+          <a:xfrm flipH="1" flipV="1">
+            <a:off x="6053328" y="3913632"/>
+            <a:ext cx="1938528" cy="20415"/>
+          </a:xfrm>
+          <a:prstGeom prst="straightConnector1">
+            <a:avLst/>
+          </a:prstGeom>
+          <a:ln w="63500">
+            <a:solidFill>
+              <a:srgbClr val="C00000">
+                <a:alpha val="50000"/>
+              </a:srgbClr>
+            </a:solidFill>
+            <a:tailEnd type="triangle" w="lg" len="med"/>
+          </a:ln>
+        </p:spPr>
+        <p:style>
+          <a:lnRef idx="1">
+            <a:schemeClr val="accent1"/>
+          </a:lnRef>
+          <a:fillRef idx="0">
+            <a:schemeClr val="accent1"/>
+          </a:fillRef>
+          <a:effectRef idx="0">
+            <a:schemeClr val="accent1"/>
+          </a:effectRef>
+          <a:fontRef idx="minor">
+            <a:schemeClr val="tx1"/>
+          </a:fontRef>
+        </p:style>
+      </p:cxnSp>
+      <p:cxnSp>
+        <p:nvCxnSpPr>
+          <p:cNvPr id="28" name="Straight Arrow Connector 27"/>
+          <p:cNvCxnSpPr/>
+          <p:nvPr/>
+        </p:nvCxnSpPr>
+        <p:spPr>
+          <a:xfrm flipH="1" flipV="1">
+            <a:off x="5102352" y="2118168"/>
+            <a:ext cx="2889504" cy="1284251"/>
+          </a:xfrm>
+          <a:prstGeom prst="straightConnector1">
+            <a:avLst/>
+          </a:prstGeom>
+          <a:ln w="63500">
+            <a:solidFill>
+              <a:srgbClr val="C00000">
+                <a:alpha val="50000"/>
+              </a:srgbClr>
+            </a:solidFill>
+            <a:tailEnd type="triangle" w="lg" len="med"/>
+          </a:ln>
+        </p:spPr>
+        <p:style>
+          <a:lnRef idx="1">
+            <a:schemeClr val="accent1"/>
+          </a:lnRef>
+          <a:fillRef idx="0">
+            <a:schemeClr val="accent1"/>
+          </a:fillRef>
+          <a:effectRef idx="0">
+            <a:schemeClr val="accent1"/>
+          </a:effectRef>
+          <a:fontRef idx="minor">
+            <a:schemeClr val="tx1"/>
+          </a:fontRef>
+        </p:style>
+      </p:cxnSp>
+      <p:cxnSp>
+        <p:nvCxnSpPr>
+          <p:cNvPr id="30" name="Straight Arrow Connector 29"/>
+          <p:cNvCxnSpPr/>
+          <p:nvPr/>
+        </p:nvCxnSpPr>
+        <p:spPr>
+          <a:xfrm flipH="1" flipV="1">
+            <a:off x="5102352" y="3200400"/>
+            <a:ext cx="2889504" cy="457200"/>
+          </a:xfrm>
+          <a:prstGeom prst="straightConnector1">
+            <a:avLst/>
+          </a:prstGeom>
+          <a:ln w="63500">
+            <a:solidFill>
+              <a:srgbClr val="C00000">
+                <a:alpha val="50000"/>
+              </a:srgbClr>
+            </a:solidFill>
+            <a:tailEnd type="triangle" w="lg" len="med"/>
+          </a:ln>
+        </p:spPr>
+        <p:style>
+          <a:lnRef idx="1">
+            <a:schemeClr val="accent1"/>
+          </a:lnRef>
+          <a:fillRef idx="0">
+            <a:schemeClr val="accent1"/>
+          </a:fillRef>
+          <a:effectRef idx="0">
+            <a:schemeClr val="accent1"/>
+          </a:effectRef>
+          <a:fontRef idx="minor">
+            <a:schemeClr val="tx1"/>
+          </a:fontRef>
+        </p:style>
+      </p:cxnSp>
+    </p:spTree>
+    <p:extLst>
+      <p:ext uri="{BB962C8B-B14F-4D97-AF65-F5344CB8AC3E}">
+        <p14:creationId xmlns:p14="http://schemas.microsoft.com/office/powerpoint/2010/main" val="524027428"/>
+      </p:ext>
+    </p:extLst>
+  </p:cSld>
+  <p:clrMapOvr>
+    <a:masterClrMapping/>
+  </p:clrMapOvr>
+</p:sld>
+</file>
+
+<file path=ppt/slides/slide7.xml><?xml version="1.0" encoding="utf-8"?>
+<p:sld xmlns:a="http://schemas.openxmlformats.org/drawingml/2006/main" xmlns:r="http://schemas.openxmlformats.org/officeDocument/2006/relationships" xmlns:p="http://schemas.openxmlformats.org/presentationml/2006/main">
+  <p:cSld>
+    <p:spTree>
+      <p:nvGrpSpPr>
+        <p:cNvPr id="1" name=""/>
+        <p:cNvGrpSpPr/>
+        <p:nvPr/>
+      </p:nvGrpSpPr>
+      <p:grpSpPr>
+        <a:xfrm>
+          <a:off x="0" y="0"/>
+          <a:ext cx="0" cy="0"/>
+          <a:chOff x="0" y="0"/>
+          <a:chExt cx="0" cy="0"/>
+        </a:xfrm>
+      </p:grpSpPr>
+      <p:pic>
+        <p:nvPicPr>
+          <p:cNvPr id="8" name="Picture 7"/>
+          <p:cNvPicPr>
+            <a:picLocks noChangeAspect="1"/>
+          </p:cNvPicPr>
+          <p:nvPr/>
+        </p:nvPicPr>
+        <p:blipFill>
+          <a:blip r:embed="rId3">
+            <a:extLst>
+              <a:ext uri="{28A0092B-C50C-407E-A947-70E740481C1C}">
+                <a14:useLocalDpi xmlns:a14="http://schemas.microsoft.com/office/drawing/2010/main" val="0"/>
+              </a:ext>
+            </a:extLst>
+          </a:blip>
+          <a:stretch>
+            <a:fillRect/>
+          </a:stretch>
+        </p:blipFill>
+        <p:spPr>
+          <a:xfrm>
+            <a:off x="6001783" y="596310"/>
+            <a:ext cx="7035800" cy="5397500"/>
+          </a:xfrm>
+          <a:prstGeom prst="rect">
+            <a:avLst/>
+          </a:prstGeom>
+          <a:ln>
+            <a:solidFill>
+              <a:schemeClr val="bg1">
+                <a:lumMod val="75000"/>
+              </a:schemeClr>
+            </a:solidFill>
+          </a:ln>
+        </p:spPr>
+      </p:pic>
+      <p:pic>
+        <p:nvPicPr>
+          <p:cNvPr id="5" name="Picture 4"/>
+          <p:cNvPicPr>
+            <a:picLocks noChangeAspect="1"/>
+          </p:cNvPicPr>
+          <p:nvPr/>
+        </p:nvPicPr>
+        <p:blipFill>
+          <a:blip r:embed="rId4">
+            <a:extLst>
+              <a:ext uri="{28A0092B-C50C-407E-A947-70E740481C1C}">
+                <a14:useLocalDpi xmlns:a14="http://schemas.microsoft.com/office/drawing/2010/main" val="0"/>
+              </a:ext>
+            </a:extLst>
+          </a:blip>
+          <a:stretch>
+            <a:fillRect/>
+          </a:stretch>
+        </p:blipFill>
+        <p:spPr>
+          <a:xfrm>
+            <a:off x="233915" y="1219200"/>
+            <a:ext cx="5168900" cy="4419600"/>
+          </a:xfrm>
+          <a:prstGeom prst="rect">
+            <a:avLst/>
+          </a:prstGeom>
+        </p:spPr>
+      </p:pic>
+      <p:cxnSp>
+        <p:nvCxnSpPr>
+          <p:cNvPr id="7" name="Curved Connector 6"/>
+          <p:cNvCxnSpPr/>
+          <p:nvPr/>
+        </p:nvCxnSpPr>
+        <p:spPr>
+          <a:xfrm rot="10800000">
+            <a:off x="885451" y="1261733"/>
+            <a:ext cx="5456572" cy="939209"/>
+          </a:xfrm>
+          <a:prstGeom prst="curvedConnector4">
+            <a:avLst>
+              <a:gd name="adj1" fmla="val 14906"/>
+              <a:gd name="adj2" fmla="val 176415"/>
+            </a:avLst>
+          </a:prstGeom>
+          <a:ln w="152400">
+            <a:solidFill>
+              <a:srgbClr val="C00000">
+                <a:alpha val="30000"/>
+              </a:srgbClr>
+            </a:solidFill>
+            <a:tailEnd type="triangle" w="med" len="sm"/>
+          </a:ln>
+        </p:spPr>
+        <p:style>
+          <a:lnRef idx="1">
+            <a:schemeClr val="accent1"/>
+          </a:lnRef>
+          <a:fillRef idx="0">
+            <a:schemeClr val="accent1"/>
+          </a:fillRef>
+          <a:effectRef idx="0">
+            <a:schemeClr val="accent1"/>
+          </a:effectRef>
+          <a:fontRef idx="minor">
+            <a:schemeClr val="tx1"/>
+          </a:fontRef>
+        </p:style>
+      </p:cxnSp>
+      <p:cxnSp>
+        <p:nvCxnSpPr>
+          <p:cNvPr id="21" name="Straight Arrow Connector 20"/>
+          <p:cNvCxnSpPr/>
+          <p:nvPr/>
+        </p:nvCxnSpPr>
+        <p:spPr>
+          <a:xfrm flipH="1" flipV="1">
+            <a:off x="5209953" y="2509284"/>
+            <a:ext cx="1132070" cy="21265"/>
+          </a:xfrm>
+          <a:prstGeom prst="straightConnector1">
+            <a:avLst/>
+          </a:prstGeom>
+          <a:ln w="152400">
+            <a:solidFill>
+              <a:srgbClr val="C00000">
+                <a:alpha val="30000"/>
+              </a:srgbClr>
+            </a:solidFill>
+            <a:tailEnd type="triangle" w="med" len="sm"/>
+          </a:ln>
+        </p:spPr>
+        <p:style>
+          <a:lnRef idx="1">
+            <a:schemeClr val="accent1"/>
+          </a:lnRef>
+          <a:fillRef idx="0">
+            <a:schemeClr val="accent1"/>
+          </a:fillRef>
+          <a:effectRef idx="0">
+            <a:schemeClr val="accent1"/>
+          </a:effectRef>
+          <a:fontRef idx="minor">
+            <a:schemeClr val="tx1"/>
+          </a:fontRef>
+        </p:style>
+      </p:cxnSp>
+      <p:cxnSp>
+        <p:nvCxnSpPr>
+          <p:cNvPr id="26" name="Curved Connector 25"/>
+          <p:cNvCxnSpPr/>
+          <p:nvPr/>
+        </p:nvCxnSpPr>
+        <p:spPr>
+          <a:xfrm rot="10800000" flipH="1">
+            <a:off x="6488326" y="2237942"/>
+            <a:ext cx="30083" cy="1739699"/>
+          </a:xfrm>
+          <a:prstGeom prst="curvedConnector3">
+            <a:avLst>
+              <a:gd name="adj1" fmla="val -2158109"/>
+            </a:avLst>
+          </a:prstGeom>
+          <a:ln w="50800">
+            <a:solidFill>
+              <a:srgbClr val="C00000">
+                <a:alpha val="70000"/>
+              </a:srgbClr>
+            </a:solidFill>
+            <a:tailEnd type="triangle" w="lg" len="sm"/>
+          </a:ln>
+        </p:spPr>
+        <p:style>
+          <a:lnRef idx="1">
+            <a:schemeClr val="accent1"/>
+          </a:lnRef>
+          <a:fillRef idx="0">
+            <a:schemeClr val="accent1"/>
+          </a:fillRef>
+          <a:effectRef idx="0">
+            <a:schemeClr val="accent1"/>
+          </a:effectRef>
+          <a:fontRef idx="minor">
+            <a:schemeClr val="tx1"/>
+          </a:fontRef>
+        </p:style>
+      </p:cxnSp>
+      <p:cxnSp>
+        <p:nvCxnSpPr>
+          <p:cNvPr id="34" name="Curved Connector 33"/>
+          <p:cNvCxnSpPr/>
+          <p:nvPr/>
+        </p:nvCxnSpPr>
+        <p:spPr>
+          <a:xfrm rot="10800000">
+            <a:off x="6524903" y="2525306"/>
+            <a:ext cx="11794" cy="2616671"/>
+          </a:xfrm>
+          <a:prstGeom prst="curvedConnector3">
+            <a:avLst>
+              <a:gd name="adj1" fmla="val 6224945"/>
+            </a:avLst>
+          </a:prstGeom>
+          <a:ln w="50800">
+            <a:solidFill>
+              <a:srgbClr val="C00000">
+                <a:alpha val="70000"/>
+              </a:srgbClr>
+            </a:solidFill>
+            <a:tailEnd type="triangle" w="lg" len="sm"/>
+          </a:ln>
+        </p:spPr>
+        <p:style>
+          <a:lnRef idx="1">
+            <a:schemeClr val="accent1"/>
+          </a:lnRef>
+          <a:fillRef idx="0">
+            <a:schemeClr val="accent1"/>
+          </a:fillRef>
+          <a:effectRef idx="0">
+            <a:schemeClr val="accent1"/>
+          </a:effectRef>
+          <a:fontRef idx="minor">
+            <a:schemeClr val="tx1"/>
+          </a:fontRef>
+        </p:style>
+      </p:cxnSp>
+    </p:spTree>
+    <p:extLst>
+      <p:ext uri="{BB962C8B-B14F-4D97-AF65-F5344CB8AC3E}">
+        <p14:creationId xmlns:p14="http://schemas.microsoft.com/office/powerpoint/2010/main" val="1956058893"/>
+      </p:ext>
+    </p:extLst>
+  </p:cSld>
+  <p:clrMapOvr>
+    <a:masterClrMapping/>
+  </p:clrMapOvr>
+</p:sld>
+</file>
+
+<file path=ppt/slides/slide8.xml><?xml version="1.0" encoding="utf-8"?>
+<p:sld xmlns:a="http://schemas.openxmlformats.org/drawingml/2006/main" xmlns:r="http://schemas.openxmlformats.org/officeDocument/2006/relationships" xmlns:p="http://schemas.openxmlformats.org/presentationml/2006/main">
+  <p:cSld>
+    <p:spTree>
+      <p:nvGrpSpPr>
+        <p:cNvPr id="1" name=""/>
+        <p:cNvGrpSpPr/>
+        <p:nvPr/>
+      </p:nvGrpSpPr>
+      <p:grpSpPr>
+        <a:xfrm>
+          <a:off x="0" y="0"/>
+          <a:ext cx="0" cy="0"/>
+          <a:chOff x="0" y="0"/>
+          <a:chExt cx="0" cy="0"/>
+        </a:xfrm>
+      </p:grpSpPr>
+      <p:pic>
+        <p:nvPicPr>
+          <p:cNvPr id="13" name="Picture 12"/>
+          <p:cNvPicPr>
+            <a:picLocks noChangeAspect="1"/>
+          </p:cNvPicPr>
+          <p:nvPr/>
+        </p:nvPicPr>
+        <p:blipFill>
+          <a:blip r:embed="rId2">
+            <a:extLst>
+              <a:ext uri="{28A0092B-C50C-407E-A947-70E740481C1C}">
+                <a14:useLocalDpi xmlns:a14="http://schemas.microsoft.com/office/drawing/2010/main" val="0"/>
+              </a:ext>
+            </a:extLst>
+          </a:blip>
+          <a:stretch>
+            <a:fillRect/>
+          </a:stretch>
+        </p:blipFill>
+        <p:spPr>
+          <a:xfrm>
+            <a:off x="366268" y="889000"/>
+            <a:ext cx="6362700" cy="5080000"/>
+          </a:xfrm>
+          <a:prstGeom prst="rect">
+            <a:avLst/>
+          </a:prstGeom>
+        </p:spPr>
+      </p:pic>
+      <p:pic>
+        <p:nvPicPr>
+          <p:cNvPr id="6" name="Picture 5"/>
+          <p:cNvPicPr>
+            <a:picLocks noChangeAspect="1"/>
+          </p:cNvPicPr>
+          <p:nvPr/>
+        </p:nvPicPr>
+        <p:blipFill>
+          <a:blip r:embed="rId3">
+            <a:extLst>
+              <a:ext uri="{28A0092B-C50C-407E-A947-70E740481C1C}">
+                <a14:useLocalDpi xmlns:a14="http://schemas.microsoft.com/office/drawing/2010/main" val="0"/>
+              </a:ext>
+            </a:extLst>
+          </a:blip>
+          <a:stretch>
+            <a:fillRect/>
+          </a:stretch>
+        </p:blipFill>
+        <p:spPr>
+          <a:xfrm>
+            <a:off x="7937917" y="129802"/>
+            <a:ext cx="4145280" cy="7747304"/>
+          </a:xfrm>
+          <a:prstGeom prst="rect">
+            <a:avLst/>
+          </a:prstGeom>
+          <a:ln>
+            <a:solidFill>
+              <a:schemeClr val="bg1">
+                <a:lumMod val="75000"/>
+              </a:schemeClr>
+            </a:solidFill>
+          </a:ln>
+        </p:spPr>
+      </p:pic>
+      <p:cxnSp>
+        <p:nvCxnSpPr>
+          <p:cNvPr id="7" name="Straight Arrow Connector 6"/>
+          <p:cNvCxnSpPr/>
+          <p:nvPr/>
+        </p:nvCxnSpPr>
+        <p:spPr>
+          <a:xfrm flipH="1">
+            <a:off x="6089907" y="1100138"/>
+            <a:ext cx="2211131" cy="285750"/>
+          </a:xfrm>
+          <a:prstGeom prst="straightConnector1">
+            <a:avLst/>
+          </a:prstGeom>
+          <a:ln w="127000">
+            <a:solidFill>
+              <a:srgbClr val="C00000">
+                <a:alpha val="30000"/>
+              </a:srgbClr>
+            </a:solidFill>
+            <a:headEnd type="oval" w="sm" len="sm"/>
+            <a:tailEnd type="triangle" w="lg" len="sm"/>
+          </a:ln>
+        </p:spPr>
+        <p:style>
+          <a:lnRef idx="1">
+            <a:schemeClr val="accent1"/>
+          </a:lnRef>
+          <a:fillRef idx="0">
+            <a:schemeClr val="accent1"/>
+          </a:fillRef>
+          <a:effectRef idx="0">
+            <a:schemeClr val="accent1"/>
+          </a:effectRef>
+          <a:fontRef idx="minor">
+            <a:schemeClr val="tx1"/>
+          </a:fontRef>
+        </p:style>
+      </p:cxnSp>
+      <p:cxnSp>
+        <p:nvCxnSpPr>
+          <p:cNvPr id="9" name="Straight Arrow Connector 8"/>
+          <p:cNvCxnSpPr/>
+          <p:nvPr/>
+        </p:nvCxnSpPr>
+        <p:spPr>
+          <a:xfrm flipH="1">
+            <a:off x="6089907" y="1385888"/>
+            <a:ext cx="2211131" cy="2457450"/>
+          </a:xfrm>
+          <a:prstGeom prst="straightConnector1">
+            <a:avLst/>
+          </a:prstGeom>
+          <a:ln w="127000">
+            <a:solidFill>
+              <a:srgbClr val="C00000">
+                <a:alpha val="30000"/>
+              </a:srgbClr>
+            </a:solidFill>
+            <a:headEnd type="oval" w="sm" len="sm"/>
+            <a:tailEnd type="triangle" w="lg" len="sm"/>
+          </a:ln>
+        </p:spPr>
+        <p:style>
+          <a:lnRef idx="1">
+            <a:schemeClr val="accent1"/>
+          </a:lnRef>
+          <a:fillRef idx="0">
+            <a:schemeClr val="accent1"/>
+          </a:fillRef>
+          <a:effectRef idx="0">
+            <a:schemeClr val="accent1"/>
+          </a:effectRef>
+          <a:fontRef idx="minor">
+            <a:schemeClr val="tx1"/>
+          </a:fontRef>
+        </p:style>
+      </p:cxnSp>
+      <p:cxnSp>
+        <p:nvCxnSpPr>
+          <p:cNvPr id="28" name="Curved Connector 27"/>
+          <p:cNvCxnSpPr/>
+          <p:nvPr/>
+        </p:nvCxnSpPr>
+        <p:spPr>
+          <a:xfrm rot="10800000">
+            <a:off x="8458200" y="2179452"/>
+            <a:ext cx="12700" cy="2471131"/>
+          </a:xfrm>
+          <a:prstGeom prst="curvedConnector3">
+            <a:avLst>
+              <a:gd name="adj1" fmla="val 6300000"/>
+            </a:avLst>
+          </a:prstGeom>
+          <a:ln w="50800">
+            <a:solidFill>
+              <a:schemeClr val="accent2">
+                <a:lumMod val="75000"/>
+                <a:alpha val="70000"/>
+              </a:schemeClr>
+            </a:solidFill>
+            <a:tailEnd type="triangle" w="lg" len="sm"/>
+          </a:ln>
+        </p:spPr>
+        <p:style>
+          <a:lnRef idx="1">
+            <a:schemeClr val="accent1"/>
+          </a:lnRef>
+          <a:fillRef idx="0">
+            <a:schemeClr val="accent1"/>
+          </a:fillRef>
+          <a:effectRef idx="0">
+            <a:schemeClr val="accent1"/>
+          </a:effectRef>
+          <a:fontRef idx="minor">
+            <a:schemeClr val="tx1"/>
+          </a:fontRef>
+        </p:style>
+      </p:cxnSp>
+      <p:cxnSp>
+        <p:nvCxnSpPr>
+          <p:cNvPr id="39" name="Curved Connector 38"/>
+          <p:cNvCxnSpPr/>
+          <p:nvPr/>
+        </p:nvCxnSpPr>
+        <p:spPr>
+          <a:xfrm rot="10800000">
+            <a:off x="8453436" y="3293974"/>
+            <a:ext cx="17465" cy="1624896"/>
+          </a:xfrm>
+          <a:prstGeom prst="curvedConnector3">
+            <a:avLst>
+              <a:gd name="adj1" fmla="val 4844775"/>
+            </a:avLst>
+          </a:prstGeom>
+          <a:ln w="50800">
+            <a:solidFill>
+              <a:schemeClr val="accent2">
+                <a:lumMod val="75000"/>
+                <a:alpha val="70000"/>
+              </a:schemeClr>
+            </a:solidFill>
+            <a:tailEnd type="triangle" w="lg" len="sm"/>
+          </a:ln>
+        </p:spPr>
+        <p:style>
+          <a:lnRef idx="1">
+            <a:schemeClr val="accent1"/>
+          </a:lnRef>
+          <a:fillRef idx="0">
+            <a:schemeClr val="accent1"/>
+          </a:fillRef>
+          <a:effectRef idx="0">
+            <a:schemeClr val="accent1"/>
+          </a:effectRef>
+          <a:fontRef idx="minor">
+            <a:schemeClr val="tx1"/>
+          </a:fontRef>
+        </p:style>
+      </p:cxnSp>
+      <p:cxnSp>
+        <p:nvCxnSpPr>
+          <p:cNvPr id="46" name="Curved Connector 45"/>
+          <p:cNvCxnSpPr/>
+          <p:nvPr/>
+        </p:nvCxnSpPr>
+        <p:spPr>
+          <a:xfrm rot="10800000">
+            <a:off x="8453436" y="2477600"/>
+            <a:ext cx="17465" cy="3241373"/>
+          </a:xfrm>
+          <a:prstGeom prst="curvedConnector3">
+            <a:avLst>
+              <a:gd name="adj1" fmla="val 8771486"/>
+            </a:avLst>
+          </a:prstGeom>
+          <a:ln w="50800">
+            <a:solidFill>
+              <a:schemeClr val="accent6">
+                <a:lumMod val="75000"/>
+                <a:alpha val="70000"/>
+              </a:schemeClr>
+            </a:solidFill>
+            <a:tailEnd type="triangle" w="lg" len="sm"/>
+          </a:ln>
+        </p:spPr>
+        <p:style>
+          <a:lnRef idx="1">
+            <a:schemeClr val="accent1"/>
+          </a:lnRef>
+          <a:fillRef idx="0">
+            <a:schemeClr val="accent1"/>
+          </a:fillRef>
+          <a:effectRef idx="0">
+            <a:schemeClr val="accent1"/>
+          </a:effectRef>
+          <a:fontRef idx="minor">
+            <a:schemeClr val="tx1"/>
+          </a:fontRef>
+        </p:style>
+      </p:cxnSp>
+      <p:cxnSp>
+        <p:nvCxnSpPr>
+          <p:cNvPr id="53" name="Curved Connector 52"/>
+          <p:cNvCxnSpPr/>
+          <p:nvPr/>
+        </p:nvCxnSpPr>
+        <p:spPr>
+          <a:xfrm rot="10800000">
+            <a:off x="8462169" y="3566078"/>
+            <a:ext cx="2759" cy="2445787"/>
+          </a:xfrm>
+          <a:prstGeom prst="curvedConnector3">
+            <a:avLst>
+              <a:gd name="adj1" fmla="val 56545741"/>
+            </a:avLst>
+          </a:prstGeom>
+          <a:ln w="50800">
+            <a:solidFill>
+              <a:schemeClr val="accent6">
+                <a:lumMod val="75000"/>
+                <a:alpha val="70000"/>
+              </a:schemeClr>
+            </a:solidFill>
+            <a:tailEnd type="triangle" w="lg" len="sm"/>
+          </a:ln>
+        </p:spPr>
+        <p:style>
+          <a:lnRef idx="1">
+            <a:schemeClr val="accent1"/>
+          </a:lnRef>
+          <a:fillRef idx="0">
+            <a:schemeClr val="accent1"/>
+          </a:fillRef>
+          <a:effectRef idx="0">
+            <a:schemeClr val="accent1"/>
+          </a:effectRef>
+          <a:fontRef idx="minor">
+            <a:schemeClr val="tx1"/>
+          </a:fontRef>
+        </p:style>
+      </p:cxnSp>
+      <p:cxnSp>
+        <p:nvCxnSpPr>
+          <p:cNvPr id="59" name="Curved Connector 58"/>
+          <p:cNvCxnSpPr/>
+          <p:nvPr/>
+        </p:nvCxnSpPr>
+        <p:spPr>
+          <a:xfrm flipH="1" flipV="1">
+            <a:off x="11216895" y="1114426"/>
+            <a:ext cx="1195858" cy="1543051"/>
+          </a:xfrm>
+          <a:prstGeom prst="curvedConnector3">
+            <a:avLst>
+              <a:gd name="adj1" fmla="val -23895"/>
+            </a:avLst>
+          </a:prstGeom>
+          <a:ln w="50800">
+            <a:solidFill>
+              <a:srgbClr val="C00000"/>
+            </a:solidFill>
+            <a:headEnd type="none" w="sm" len="sm"/>
+            <a:tailEnd type="triangle" w="lg" len="sm"/>
+          </a:ln>
+        </p:spPr>
+        <p:style>
+          <a:lnRef idx="1">
+            <a:schemeClr val="accent1"/>
+          </a:lnRef>
+          <a:fillRef idx="0">
+            <a:schemeClr val="accent1"/>
+          </a:fillRef>
+          <a:effectRef idx="0">
+            <a:schemeClr val="accent1"/>
+          </a:effectRef>
+          <a:fontRef idx="minor">
+            <a:schemeClr val="tx1"/>
+          </a:fontRef>
+        </p:style>
+      </p:cxnSp>
+      <p:cxnSp>
+        <p:nvCxnSpPr>
+          <p:cNvPr id="64" name="Curved Connector 63"/>
+          <p:cNvCxnSpPr/>
+          <p:nvPr/>
+        </p:nvCxnSpPr>
+        <p:spPr>
+          <a:xfrm flipH="1" flipV="1">
+            <a:off x="11215036" y="1398186"/>
+            <a:ext cx="1241144" cy="1640865"/>
+          </a:xfrm>
+          <a:prstGeom prst="curvedConnector3">
+            <a:avLst>
+              <a:gd name="adj1" fmla="val -17971"/>
+            </a:avLst>
+          </a:prstGeom>
+          <a:ln w="50800">
+            <a:solidFill>
+              <a:srgbClr val="C00000"/>
+            </a:solidFill>
+            <a:headEnd type="none"/>
+            <a:tailEnd type="triangle" w="lg" len="sm"/>
+          </a:ln>
+        </p:spPr>
+        <p:style>
+          <a:lnRef idx="1">
+            <a:schemeClr val="accent1"/>
+          </a:lnRef>
+          <a:fillRef idx="0">
+            <a:schemeClr val="accent1"/>
+          </a:fillRef>
+          <a:effectRef idx="0">
+            <a:schemeClr val="accent1"/>
+          </a:effectRef>
+          <a:fontRef idx="minor">
+            <a:schemeClr val="tx1"/>
+          </a:fontRef>
+        </p:style>
+      </p:cxnSp>
+      <p:cxnSp>
+        <p:nvCxnSpPr>
+          <p:cNvPr id="82" name="Straight Connector 81"/>
+          <p:cNvCxnSpPr/>
+          <p:nvPr/>
+        </p:nvCxnSpPr>
+        <p:spPr>
+          <a:xfrm>
+            <a:off x="11997267" y="2179452"/>
+            <a:ext cx="422633" cy="478025"/>
+          </a:xfrm>
+          <a:prstGeom prst="line">
+            <a:avLst/>
+          </a:prstGeom>
+          <a:ln w="50800">
+            <a:solidFill>
+              <a:srgbClr val="C00000"/>
+            </a:solidFill>
+            <a:tailEnd type="none" w="lg" len="sm"/>
+          </a:ln>
+        </p:spPr>
+        <p:style>
+          <a:lnRef idx="1">
+            <a:schemeClr val="accent1"/>
+          </a:lnRef>
+          <a:fillRef idx="0">
+            <a:schemeClr val="accent1"/>
+          </a:fillRef>
+          <a:effectRef idx="0">
+            <a:schemeClr val="accent1"/>
+          </a:effectRef>
+          <a:fontRef idx="minor">
+            <a:schemeClr val="tx1"/>
+          </a:fontRef>
+        </p:style>
+      </p:cxnSp>
+      <p:cxnSp>
+        <p:nvCxnSpPr>
+          <p:cNvPr id="85" name="Straight Connector 84"/>
+          <p:cNvCxnSpPr/>
+          <p:nvPr/>
+        </p:nvCxnSpPr>
+        <p:spPr>
+          <a:xfrm flipV="1">
+            <a:off x="11680573" y="2652423"/>
+            <a:ext cx="772034" cy="535037"/>
+          </a:xfrm>
+          <a:prstGeom prst="line">
+            <a:avLst/>
+          </a:prstGeom>
+          <a:ln w="50800">
+            <a:solidFill>
+              <a:srgbClr val="C00000"/>
+            </a:solidFill>
+            <a:tailEnd type="none" w="lg" len="sm"/>
+          </a:ln>
+        </p:spPr>
+        <p:style>
+          <a:lnRef idx="1">
+            <a:schemeClr val="accent1"/>
+          </a:lnRef>
+          <a:fillRef idx="0">
+            <a:schemeClr val="accent1"/>
+          </a:fillRef>
+          <a:effectRef idx="0">
+            <a:schemeClr val="accent1"/>
+          </a:effectRef>
+          <a:fontRef idx="minor">
+            <a:schemeClr val="tx1"/>
+          </a:fontRef>
+        </p:style>
+      </p:cxnSp>
+      <p:cxnSp>
+        <p:nvCxnSpPr>
+          <p:cNvPr id="89" name="Straight Connector 88"/>
+          <p:cNvCxnSpPr/>
+          <p:nvPr/>
+        </p:nvCxnSpPr>
+        <p:spPr>
+          <a:xfrm flipV="1">
+            <a:off x="11685570" y="3030781"/>
+            <a:ext cx="795256" cy="560144"/>
+          </a:xfrm>
+          <a:prstGeom prst="line">
+            <a:avLst/>
+          </a:prstGeom>
+          <a:ln w="50800">
+            <a:solidFill>
+              <a:srgbClr val="C00000"/>
+            </a:solidFill>
+            <a:tailEnd type="none" w="lg" len="sm"/>
+          </a:ln>
+        </p:spPr>
+        <p:style>
+          <a:lnRef idx="1">
+            <a:schemeClr val="accent1"/>
+          </a:lnRef>
+          <a:fillRef idx="0">
+            <a:schemeClr val="accent1"/>
+          </a:fillRef>
+          <a:effectRef idx="0">
+            <a:schemeClr val="accent1"/>
+          </a:effectRef>
+          <a:fontRef idx="minor">
+            <a:schemeClr val="tx1"/>
+          </a:fontRef>
+        </p:style>
+      </p:cxnSp>
+      <p:cxnSp>
+        <p:nvCxnSpPr>
+          <p:cNvPr id="91" name="Straight Connector 90"/>
+          <p:cNvCxnSpPr/>
+          <p:nvPr/>
+        </p:nvCxnSpPr>
+        <p:spPr>
+          <a:xfrm>
+            <a:off x="11965789" y="2477600"/>
+            <a:ext cx="490391" cy="567964"/>
+          </a:xfrm>
+          <a:prstGeom prst="line">
+            <a:avLst/>
+          </a:prstGeom>
+          <a:ln w="50800">
+            <a:solidFill>
+              <a:srgbClr val="C00000"/>
+            </a:solidFill>
+            <a:tailEnd type="none" w="lg" len="sm"/>
+          </a:ln>
+        </p:spPr>
+        <p:style>
+          <a:lnRef idx="1">
+            <a:schemeClr val="accent1"/>
+          </a:lnRef>
+          <a:fillRef idx="0">
+            <a:schemeClr val="accent1"/>
+          </a:fillRef>
+          <a:effectRef idx="0">
+            <a:schemeClr val="accent1"/>
+          </a:effectRef>
+          <a:fontRef idx="minor">
+            <a:schemeClr val="tx1"/>
+          </a:fontRef>
+        </p:style>
+      </p:cxnSp>
+    </p:spTree>
+    <p:extLst>
+      <p:ext uri="{BB962C8B-B14F-4D97-AF65-F5344CB8AC3E}">
+        <p14:creationId xmlns:p14="http://schemas.microsoft.com/office/powerpoint/2010/main" val="2043019678"/>
       </p:ext>
     </p:extLst>
   </p:cSld>
